--- a/ch19/第19章 JDBC数据库连接技术.pptx
+++ b/ch19/第19章 JDBC数据库连接技术.pptx
@@ -1290,6 +1290,247 @@
 </p:notes>
 </file>
 
+<file path=ppt/notesSlides/notesSlide10.xml><?xml version="1.0" encoding="utf-8"?>
+<p:notes xmlns:a="http://schemas.openxmlformats.org/drawingml/2006/main" xmlns:r="http://schemas.openxmlformats.org/officeDocument/2006/relationships" xmlns:p="http://schemas.openxmlformats.org/presentationml/2006/main">
+  <p:cSld>
+    <p:spTree>
+      <p:nvGrpSpPr>
+        <p:cNvPr id="1" name=""/>
+        <p:cNvGrpSpPr/>
+        <p:nvPr/>
+      </p:nvGrpSpPr>
+      <p:grpSpPr>
+        <a:xfrm>
+          <a:off x="0" y="0"/>
+          <a:ext cx="0" cy="0"/>
+          <a:chOff x="0" y="0"/>
+          <a:chExt cx="0" cy="0"/>
+        </a:xfrm>
+      </p:grpSpPr>
+      <p:sp>
+        <p:nvSpPr>
+          <p:cNvPr id="23554" name="幻灯片图像占位符 1"/>
+          <p:cNvSpPr>
+            <a:spLocks noGrp="1" noRot="1" noChangeAspect="1" noTextEdit="1"/>
+          </p:cNvSpPr>
+          <p:nvPr>
+            <p:ph type="sldImg"/>
+          </p:nvPr>
+        </p:nvSpPr>
+        <p:spPr>
+          <a:xfrm>
+            <a:off x="92075" y="744538"/>
+            <a:ext cx="6610350" cy="3719512"/>
+          </a:xfrm>
+          <a:ln/>
+        </p:spPr>
+      </p:sp>
+      <p:sp>
+        <p:nvSpPr>
+          <p:cNvPr id="23555" name="备注占位符 2"/>
+          <p:cNvSpPr>
+            <a:spLocks noGrp="1"/>
+          </p:cNvSpPr>
+          <p:nvPr>
+            <p:ph type="body" idx="1"/>
+          </p:nvPr>
+        </p:nvSpPr>
+        <p:spPr>
+          <a:noFill/>
+          <a:ln/>
+          <a:extLst>
+            <a:ext uri="{909E8E84-426E-40DD-AFC4-6F175D3DCCD1}">
+              <a14:hiddenFill xmlns:a14="http://schemas.microsoft.com/office/drawing/2010/main">
+                <a:solidFill>
+                  <a:srgbClr val="FFFFFF"/>
+                </a:solidFill>
+              </a14:hiddenFill>
+            </a:ext>
+            <a:ext uri="{91240B29-F687-4F45-9708-019B960494DF}">
+              <a14:hiddenLine xmlns:a14="http://schemas.microsoft.com/office/drawing/2010/main" w="9525">
+                <a:solidFill>
+                  <a:srgbClr val="000000"/>
+                </a:solidFill>
+                <a:miter lim="800000"/>
+                <a:headEnd/>
+                <a:tailEnd/>
+              </a14:hiddenLine>
+            </a:ext>
+          </a:extLst>
+        </p:spPr>
+        <p:txBody>
+          <a:bodyPr/>
+          <a:lstStyle/>
+          <a:p>
+            <a:endParaRPr lang="zh-CN" altLang="en-US"/>
+          </a:p>
+        </p:txBody>
+      </p:sp>
+      <p:sp>
+        <p:nvSpPr>
+          <p:cNvPr id="23556" name="灯片编号占位符 3"/>
+          <p:cNvSpPr>
+            <a:spLocks noGrp="1"/>
+          </p:cNvSpPr>
+          <p:nvPr>
+            <p:ph type="sldNum" sz="quarter" idx="5"/>
+          </p:nvPr>
+        </p:nvSpPr>
+        <p:spPr>
+          <a:noFill/>
+          <a:ln/>
+          <a:extLst>
+            <a:ext uri="{909E8E84-426E-40DD-AFC4-6F175D3DCCD1}">
+              <a14:hiddenFill xmlns:a14="http://schemas.microsoft.com/office/drawing/2010/main">
+                <a:solidFill>
+                  <a:srgbClr val="FFFFFF"/>
+                </a:solidFill>
+              </a14:hiddenFill>
+            </a:ext>
+            <a:ext uri="{91240B29-F687-4F45-9708-019B960494DF}">
+              <a14:hiddenLine xmlns:a14="http://schemas.microsoft.com/office/drawing/2010/main" w="9525">
+                <a:solidFill>
+                  <a:srgbClr val="000000"/>
+                </a:solidFill>
+                <a:miter lim="800000"/>
+                <a:headEnd/>
+                <a:tailEnd/>
+              </a14:hiddenLine>
+            </a:ext>
+          </a:extLst>
+        </p:spPr>
+        <p:txBody>
+          <a:bodyPr/>
+          <a:lstStyle>
+            <a:lvl1pPr eaLnBrk="0" hangingPunct="0">
+              <a:defRPr sz="2000">
+                <a:solidFill>
+                  <a:srgbClr val="A50021"/>
+                </a:solidFill>
+                <a:latin typeface="Arial" charset="0"/>
+              </a:defRPr>
+            </a:lvl1pPr>
+            <a:lvl2pPr marL="742950" indent="-285750" eaLnBrk="0" hangingPunct="0">
+              <a:defRPr sz="2000">
+                <a:solidFill>
+                  <a:srgbClr val="A50021"/>
+                </a:solidFill>
+                <a:latin typeface="Arial" charset="0"/>
+              </a:defRPr>
+            </a:lvl2pPr>
+            <a:lvl3pPr marL="1143000" indent="-228600" eaLnBrk="0" hangingPunct="0">
+              <a:defRPr sz="2000">
+                <a:solidFill>
+                  <a:srgbClr val="A50021"/>
+                </a:solidFill>
+                <a:latin typeface="Arial" charset="0"/>
+              </a:defRPr>
+            </a:lvl3pPr>
+            <a:lvl4pPr marL="1600200" indent="-228600" eaLnBrk="0" hangingPunct="0">
+              <a:defRPr sz="2000">
+                <a:solidFill>
+                  <a:srgbClr val="A50021"/>
+                </a:solidFill>
+                <a:latin typeface="Arial" charset="0"/>
+              </a:defRPr>
+            </a:lvl4pPr>
+            <a:lvl5pPr marL="2057400" indent="-228600" eaLnBrk="0" hangingPunct="0">
+              <a:defRPr sz="2000">
+                <a:solidFill>
+                  <a:srgbClr val="A50021"/>
+                </a:solidFill>
+                <a:latin typeface="Arial" charset="0"/>
+              </a:defRPr>
+            </a:lvl5pPr>
+            <a:lvl6pPr marL="2514600" indent="-228600" eaLnBrk="0" fontAlgn="base" hangingPunct="0">
+              <a:spcBef>
+                <a:spcPct val="0"/>
+              </a:spcBef>
+              <a:spcAft>
+                <a:spcPct val="0"/>
+              </a:spcAft>
+              <a:defRPr sz="2000">
+                <a:solidFill>
+                  <a:srgbClr val="A50021"/>
+                </a:solidFill>
+                <a:latin typeface="Arial" charset="0"/>
+              </a:defRPr>
+            </a:lvl6pPr>
+            <a:lvl7pPr marL="2971800" indent="-228600" eaLnBrk="0" fontAlgn="base" hangingPunct="0">
+              <a:spcBef>
+                <a:spcPct val="0"/>
+              </a:spcBef>
+              <a:spcAft>
+                <a:spcPct val="0"/>
+              </a:spcAft>
+              <a:defRPr sz="2000">
+                <a:solidFill>
+                  <a:srgbClr val="A50021"/>
+                </a:solidFill>
+                <a:latin typeface="Arial" charset="0"/>
+              </a:defRPr>
+            </a:lvl7pPr>
+            <a:lvl8pPr marL="3429000" indent="-228600" eaLnBrk="0" fontAlgn="base" hangingPunct="0">
+              <a:spcBef>
+                <a:spcPct val="0"/>
+              </a:spcBef>
+              <a:spcAft>
+                <a:spcPct val="0"/>
+              </a:spcAft>
+              <a:defRPr sz="2000">
+                <a:solidFill>
+                  <a:srgbClr val="A50021"/>
+                </a:solidFill>
+                <a:latin typeface="Arial" charset="0"/>
+              </a:defRPr>
+            </a:lvl8pPr>
+            <a:lvl9pPr marL="3886200" indent="-228600" eaLnBrk="0" fontAlgn="base" hangingPunct="0">
+              <a:spcBef>
+                <a:spcPct val="0"/>
+              </a:spcBef>
+              <a:spcAft>
+                <a:spcPct val="0"/>
+              </a:spcAft>
+              <a:defRPr sz="2000">
+                <a:solidFill>
+                  <a:srgbClr val="A50021"/>
+                </a:solidFill>
+                <a:latin typeface="Arial" charset="0"/>
+              </a:defRPr>
+            </a:lvl9pPr>
+          </a:lstStyle>
+          <a:p>
+            <a:pPr eaLnBrk="1" hangingPunct="1"/>
+            <a:fld id="{05D8A813-7F41-46AB-9DB7-A683BBF0EB66}" type="slidenum">
+              <a:rPr lang="pt-PT" altLang="zh-CN" sz="1200" smtClean="0">
+                <a:solidFill>
+                  <a:schemeClr val="tx1"/>
+                </a:solidFill>
+              </a:rPr>
+              <a:pPr eaLnBrk="1" hangingPunct="1"/>
+              <a:t>15</a:t>
+            </a:fld>
+            <a:endParaRPr lang="pt-PT" altLang="zh-CN" sz="1200">
+              <a:solidFill>
+                <a:schemeClr val="tx1"/>
+              </a:solidFill>
+            </a:endParaRPr>
+          </a:p>
+        </p:txBody>
+      </p:sp>
+    </p:spTree>
+    <p:extLst>
+      <p:ext uri="{BB962C8B-B14F-4D97-AF65-F5344CB8AC3E}">
+        <p14:creationId xmlns:p14="http://schemas.microsoft.com/office/powerpoint/2010/main" val="4106211699"/>
+      </p:ext>
+    </p:extLst>
+  </p:cSld>
+  <p:clrMapOvr>
+    <a:masterClrMapping/>
+  </p:clrMapOvr>
+</p:notes>
+</file>
+
 <file path=ppt/notesSlides/notesSlide2.xml><?xml version="1.0" encoding="utf-8"?>
 <p:notes xmlns:a="http://schemas.openxmlformats.org/drawingml/2006/main" xmlns:r="http://schemas.openxmlformats.org/officeDocument/2006/relationships" xmlns:p="http://schemas.openxmlformats.org/presentationml/2006/main">
   <p:cSld>
@@ -2755,12 +2996,7 @@
             <p:ph type="sldImg"/>
           </p:nvPr>
         </p:nvSpPr>
-        <p:spPr>
-          <a:xfrm>
-            <a:off x="92075" y="744538"/>
-            <a:ext cx="6610350" cy="3719512"/>
-          </a:xfrm>
-        </p:spPr>
+        <p:spPr/>
       </p:sp>
       <p:sp>
         <p:nvSpPr>
@@ -2777,132 +3013,7 @@
           <a:bodyPr/>
           <a:lstStyle/>
           <a:p>
-            <a:r>
-              <a:rPr lang="en-US" altLang="zh-CN" dirty="0"/>
-              <a:t>1.PreparedStatement</a:t>
-            </a:r>
-            <a:r>
-              <a:rPr lang="zh-CN" altLang="en-US" dirty="0"/>
-              <a:t>是预编译的</a:t>
-            </a:r>
-            <a:r>
-              <a:rPr lang="en-US" altLang="zh-CN" dirty="0"/>
-              <a:t>,</a:t>
-            </a:r>
-            <a:r>
-              <a:rPr lang="zh-CN" altLang="en-US" dirty="0"/>
-              <a:t>对于批量处理可以大大提高效率</a:t>
-            </a:r>
-            <a:r>
-              <a:rPr lang="en-US" altLang="zh-CN" dirty="0"/>
-              <a:t>.</a:t>
-            </a:r>
-            <a:r>
-              <a:rPr lang="zh-CN" altLang="en-US" dirty="0"/>
-              <a:t>也叫</a:t>
-            </a:r>
-            <a:r>
-              <a:rPr lang="en-US" altLang="zh-CN" dirty="0"/>
-              <a:t>JDBC</a:t>
-            </a:r>
-            <a:r>
-              <a:rPr lang="zh-CN" altLang="en-US" dirty="0"/>
-              <a:t>存储过程</a:t>
-            </a:r>
-          </a:p>
-          <a:p>
             <a:endParaRPr lang="zh-CN" altLang="en-US" dirty="0"/>
-          </a:p>
-          <a:p>
-            <a:r>
-              <a:rPr lang="en-US" altLang="zh-CN" dirty="0"/>
-              <a:t>2.</a:t>
-            </a:r>
-            <a:r>
-              <a:rPr lang="zh-CN" altLang="en-US" dirty="0"/>
-              <a:t>使用 </a:t>
-            </a:r>
-            <a:r>
-              <a:rPr lang="en-US" altLang="zh-CN" dirty="0"/>
-              <a:t>Statement </a:t>
-            </a:r>
-            <a:r>
-              <a:rPr lang="zh-CN" altLang="en-US" dirty="0"/>
-              <a:t>对象。在对数据库只执行一次性存取的时侯，用 </a:t>
-            </a:r>
-            <a:r>
-              <a:rPr lang="en-US" altLang="zh-CN" dirty="0"/>
-              <a:t>Statement </a:t>
-            </a:r>
-            <a:r>
-              <a:rPr lang="zh-CN" altLang="en-US" dirty="0"/>
-              <a:t>对象进行处理。</a:t>
-            </a:r>
-            <a:r>
-              <a:rPr lang="en-US" altLang="zh-CN" dirty="0" err="1"/>
-              <a:t>PreparedStatement</a:t>
-            </a:r>
-            <a:r>
-              <a:rPr lang="zh-CN" altLang="en-US" dirty="0"/>
-              <a:t>对象的开销比</a:t>
-            </a:r>
-            <a:r>
-              <a:rPr lang="en-US" altLang="zh-CN" dirty="0"/>
-              <a:t>Statement</a:t>
-            </a:r>
-            <a:r>
-              <a:rPr lang="zh-CN" altLang="en-US" dirty="0"/>
-              <a:t>大，对于一次性操作并不会带来额外的好处。</a:t>
-            </a:r>
-          </a:p>
-          <a:p>
-            <a:endParaRPr lang="zh-CN" altLang="en-US" dirty="0"/>
-          </a:p>
-          <a:p>
-            <a:r>
-              <a:rPr lang="en-US" altLang="zh-CN" dirty="0"/>
-              <a:t>3.statement</a:t>
-            </a:r>
-            <a:r>
-              <a:rPr lang="zh-CN" altLang="en-US" dirty="0"/>
-              <a:t>每次执行</a:t>
-            </a:r>
-            <a:r>
-              <a:rPr lang="en-US" altLang="zh-CN" dirty="0" err="1"/>
-              <a:t>sql</a:t>
-            </a:r>
-            <a:r>
-              <a:rPr lang="zh-CN" altLang="en-US" dirty="0"/>
-              <a:t>语句，相关数据库都要执行</a:t>
-            </a:r>
-            <a:r>
-              <a:rPr lang="en-US" altLang="zh-CN" dirty="0" err="1"/>
-              <a:t>sql</a:t>
-            </a:r>
-            <a:r>
-              <a:rPr lang="zh-CN" altLang="en-US" dirty="0"/>
-              <a:t>语句的编译，</a:t>
-            </a:r>
-            <a:r>
-              <a:rPr lang="en-US" altLang="zh-CN" dirty="0" err="1"/>
-              <a:t>preparedstatement</a:t>
-            </a:r>
-            <a:r>
-              <a:rPr lang="zh-CN" altLang="en-US" dirty="0"/>
-              <a:t>是预编译得</a:t>
-            </a:r>
-            <a:r>
-              <a:rPr lang="en-US" altLang="zh-CN" dirty="0"/>
-              <a:t>,</a:t>
-            </a:r>
-            <a:r>
-              <a:rPr lang="en-US" altLang="zh-CN" dirty="0" err="1"/>
-              <a:t>preparedstatement</a:t>
-            </a:r>
-            <a:r>
-              <a:rPr lang="zh-CN" altLang="en-US"/>
-              <a:t>支持批处理</a:t>
-            </a:r>
           </a:p>
         </p:txBody>
       </p:sp>
@@ -2929,7 +3040,7 @@
               <a:pPr>
                 <a:defRPr/>
               </a:pPr>
-              <a:t>8</a:t>
+              <a:t>7</a:t>
             </a:fld>
             <a:endParaRPr lang="pt-PT" altLang="zh-CN"/>
           </a:p>
@@ -2938,7 +3049,7 @@
     </p:spTree>
     <p:extLst>
       <p:ext uri="{BB962C8B-B14F-4D97-AF65-F5344CB8AC3E}">
-        <p14:creationId xmlns:p14="http://schemas.microsoft.com/office/powerpoint/2010/main" val="3060005722"/>
+        <p14:creationId xmlns:p14="http://schemas.microsoft.com/office/powerpoint/2010/main" val="1711272665"/>
       </p:ext>
     </p:extLst>
   </p:cSld>
@@ -2967,9 +3078,9 @@
       </p:grpSpPr>
       <p:sp>
         <p:nvSpPr>
-          <p:cNvPr id="23554" name="幻灯片图像占位符 1"/>
+          <p:cNvPr id="2" name="幻灯片图像占位符 1"/>
           <p:cNvSpPr>
-            <a:spLocks noGrp="1" noRot="1" noChangeAspect="1" noTextEdit="1"/>
+            <a:spLocks noGrp="1" noRot="1" noChangeAspect="1"/>
           </p:cNvSpPr>
           <p:nvPr>
             <p:ph type="sldImg"/>
@@ -2980,12 +3091,11 @@
             <a:off x="92075" y="744538"/>
             <a:ext cx="6610350" cy="3719512"/>
           </a:xfrm>
-          <a:ln/>
         </p:spPr>
       </p:sp>
       <p:sp>
         <p:nvSpPr>
-          <p:cNvPr id="23555" name="备注占位符 2"/>
+          <p:cNvPr id="3" name="备注占位符 2"/>
           <p:cNvSpPr>
             <a:spLocks noGrp="1"/>
           </p:cNvSpPr>
@@ -2993,229 +3103,173 @@
             <p:ph type="body" idx="1"/>
           </p:nvPr>
         </p:nvSpPr>
-        <p:spPr>
-          <a:noFill/>
-          <a:ln/>
-          <a:extLst>
-            <a:ext uri="{909E8E84-426E-40DD-AFC4-6F175D3DCCD1}">
-              <a14:hiddenFill xmlns:a14="http://schemas.microsoft.com/office/drawing/2010/main">
-                <a:solidFill>
-                  <a:srgbClr val="FFFFFF"/>
-                </a:solidFill>
-              </a14:hiddenFill>
-            </a:ext>
-            <a:ext uri="{91240B29-F687-4F45-9708-019B960494DF}">
-              <a14:hiddenLine xmlns:a14="http://schemas.microsoft.com/office/drawing/2010/main" w="9525">
-                <a:solidFill>
-                  <a:srgbClr val="000000"/>
-                </a:solidFill>
-                <a:miter lim="800000"/>
-                <a:headEnd/>
-                <a:tailEnd/>
-              </a14:hiddenLine>
-            </a:ext>
-          </a:extLst>
-        </p:spPr>
+        <p:spPr/>
         <p:txBody>
           <a:bodyPr/>
           <a:lstStyle/>
           <a:p>
             <a:r>
-              <a:rPr lang="zh-CN" altLang="zh-CN" dirty="0"/>
-              <a:t>，与</a:t>
-            </a:r>
-            <a:r>
-              <a:rPr lang="en-US" altLang="zh-CN" dirty="0"/>
-              <a:t>Statement</a:t>
-            </a:r>
-            <a:r>
-              <a:rPr lang="zh-CN" altLang="zh-CN" dirty="0"/>
-              <a:t>不同之处在于</a:t>
+              <a:rPr lang="en-US" altLang="zh-CN" dirty="0"/>
+              <a:t>1.PreparedStatement</a:t>
+            </a:r>
+            <a:r>
+              <a:rPr lang="zh-CN" altLang="en-US" dirty="0"/>
+              <a:t>是预编译的</a:t>
+            </a:r>
+            <a:r>
+              <a:rPr lang="en-US" altLang="zh-CN" dirty="0"/>
+              <a:t>,</a:t>
+            </a:r>
+            <a:r>
+              <a:rPr lang="zh-CN" altLang="en-US" dirty="0"/>
+              <a:t>对于批量处理可以大大提高效率</a:t>
+            </a:r>
+            <a:r>
+              <a:rPr lang="en-US" altLang="zh-CN" dirty="0"/>
+              <a:t>.</a:t>
+            </a:r>
+            <a:r>
+              <a:rPr lang="zh-CN" altLang="en-US" dirty="0"/>
+              <a:t>也叫</a:t>
+            </a:r>
+            <a:r>
+              <a:rPr lang="en-US" altLang="zh-CN" dirty="0"/>
+              <a:t>JDBC</a:t>
+            </a:r>
+            <a:r>
+              <a:rPr lang="zh-CN" altLang="en-US" dirty="0"/>
+              <a:t>存储过程</a:t>
+            </a:r>
+          </a:p>
+          <a:p>
+            <a:endParaRPr lang="zh-CN" altLang="en-US" dirty="0"/>
+          </a:p>
+          <a:p>
+            <a:r>
+              <a:rPr lang="en-US" altLang="zh-CN" dirty="0"/>
+              <a:t>2.</a:t>
+            </a:r>
+            <a:r>
+              <a:rPr lang="zh-CN" altLang="en-US" dirty="0"/>
+              <a:t>使用 </a:t>
+            </a:r>
+            <a:r>
+              <a:rPr lang="en-US" altLang="zh-CN" dirty="0"/>
+              <a:t>Statement </a:t>
+            </a:r>
+            <a:r>
+              <a:rPr lang="zh-CN" altLang="en-US" dirty="0"/>
+              <a:t>对象。在对数据库只执行一次性存取的时侯，用 </a:t>
+            </a:r>
+            <a:r>
+              <a:rPr lang="en-US" altLang="zh-CN" dirty="0"/>
+              <a:t>Statement </a:t>
+            </a:r>
+            <a:r>
+              <a:rPr lang="zh-CN" altLang="en-US" dirty="0"/>
+              <a:t>对象进行处理。</a:t>
             </a:r>
             <a:r>
               <a:rPr lang="en-US" altLang="zh-CN" dirty="0" err="1"/>
               <a:t>PreparedStatement</a:t>
             </a:r>
             <a:r>
-              <a:rPr lang="zh-CN" altLang="zh-CN" dirty="0"/>
-              <a:t>对象会将传入的</a:t>
-            </a:r>
-            <a:r>
-              <a:rPr lang="en-US" altLang="zh-CN" dirty="0"/>
-              <a:t>SQL</a:t>
-            </a:r>
-            <a:r>
-              <a:rPr lang="zh-CN" altLang="zh-CN" dirty="0"/>
-              <a:t>命令有限编译好等待使用，当有单一的</a:t>
-            </a:r>
-            <a:r>
-              <a:rPr lang="en-US" altLang="zh-CN" dirty="0"/>
-              <a:t>SQL</a:t>
-            </a:r>
-            <a:r>
-              <a:rPr lang="zh-CN" altLang="zh-CN" dirty="0"/>
-              <a:t>命令多次执行时，</a:t>
-            </a:r>
+              <a:rPr lang="zh-CN" altLang="en-US" dirty="0"/>
+              <a:t>对象的开销比</a:t>
+            </a:r>
+            <a:r>
+              <a:rPr lang="en-US" altLang="zh-CN" dirty="0"/>
+              <a:t>Statement</a:t>
+            </a:r>
+            <a:r>
+              <a:rPr lang="zh-CN" altLang="en-US" dirty="0"/>
+              <a:t>大，对于一次性操作并不会带来额外的好处。</a:t>
+            </a:r>
+          </a:p>
+          <a:p>
             <a:endParaRPr lang="zh-CN" altLang="en-US" dirty="0"/>
+          </a:p>
+          <a:p>
+            <a:r>
+              <a:rPr lang="en-US" altLang="zh-CN" dirty="0"/>
+              <a:t>3.statement</a:t>
+            </a:r>
+            <a:r>
+              <a:rPr lang="zh-CN" altLang="en-US" dirty="0"/>
+              <a:t>每次执行</a:t>
+            </a:r>
+            <a:r>
+              <a:rPr lang="en-US" altLang="zh-CN" dirty="0" err="1"/>
+              <a:t>sql</a:t>
+            </a:r>
+            <a:r>
+              <a:rPr lang="zh-CN" altLang="en-US" dirty="0"/>
+              <a:t>语句，相关数据库都要执行</a:t>
+            </a:r>
+            <a:r>
+              <a:rPr lang="en-US" altLang="zh-CN" dirty="0" err="1"/>
+              <a:t>sql</a:t>
+            </a:r>
+            <a:r>
+              <a:rPr lang="zh-CN" altLang="en-US" dirty="0"/>
+              <a:t>语句的编译，</a:t>
+            </a:r>
+            <a:r>
+              <a:rPr lang="en-US" altLang="zh-CN" dirty="0" err="1"/>
+              <a:t>preparedstatement</a:t>
+            </a:r>
+            <a:r>
+              <a:rPr lang="zh-CN" altLang="en-US" dirty="0"/>
+              <a:t>是预编译得</a:t>
+            </a:r>
+            <a:r>
+              <a:rPr lang="en-US" altLang="zh-CN" dirty="0"/>
+              <a:t>,</a:t>
+            </a:r>
+            <a:r>
+              <a:rPr lang="en-US" altLang="zh-CN" dirty="0" err="1"/>
+              <a:t>preparedstatement</a:t>
+            </a:r>
+            <a:r>
+              <a:rPr lang="zh-CN" altLang="en-US"/>
+              <a:t>支持批处理</a:t>
+            </a:r>
           </a:p>
         </p:txBody>
       </p:sp>
       <p:sp>
         <p:nvSpPr>
-          <p:cNvPr id="23556" name="灯片编号占位符 3"/>
+          <p:cNvPr id="4" name="灯片编号占位符 3"/>
           <p:cNvSpPr>
             <a:spLocks noGrp="1"/>
           </p:cNvSpPr>
           <p:nvPr>
-            <p:ph type="sldNum" sz="quarter" idx="5"/>
+            <p:ph type="sldNum" sz="quarter" idx="10"/>
           </p:nvPr>
         </p:nvSpPr>
-        <p:spPr>
-          <a:noFill/>
-          <a:ln/>
-          <a:extLst>
-            <a:ext uri="{909E8E84-426E-40DD-AFC4-6F175D3DCCD1}">
-              <a14:hiddenFill xmlns:a14="http://schemas.microsoft.com/office/drawing/2010/main">
-                <a:solidFill>
-                  <a:srgbClr val="FFFFFF"/>
-                </a:solidFill>
-              </a14:hiddenFill>
-            </a:ext>
-            <a:ext uri="{91240B29-F687-4F45-9708-019B960494DF}">
-              <a14:hiddenLine xmlns:a14="http://schemas.microsoft.com/office/drawing/2010/main" w="9525">
-                <a:solidFill>
-                  <a:srgbClr val="000000"/>
-                </a:solidFill>
-                <a:miter lim="800000"/>
-                <a:headEnd/>
-                <a:tailEnd/>
-              </a14:hiddenLine>
-            </a:ext>
-          </a:extLst>
-        </p:spPr>
+        <p:spPr/>
         <p:txBody>
           <a:bodyPr/>
-          <a:lstStyle>
-            <a:lvl1pPr eaLnBrk="0" hangingPunct="0">
-              <a:defRPr sz="2000">
-                <a:solidFill>
-                  <a:srgbClr val="A50021"/>
-                </a:solidFill>
-                <a:latin typeface="Arial" charset="0"/>
-              </a:defRPr>
-            </a:lvl1pPr>
-            <a:lvl2pPr marL="742950" indent="-285750" eaLnBrk="0" hangingPunct="0">
-              <a:defRPr sz="2000">
-                <a:solidFill>
-                  <a:srgbClr val="A50021"/>
-                </a:solidFill>
-                <a:latin typeface="Arial" charset="0"/>
-              </a:defRPr>
-            </a:lvl2pPr>
-            <a:lvl3pPr marL="1143000" indent="-228600" eaLnBrk="0" hangingPunct="0">
-              <a:defRPr sz="2000">
-                <a:solidFill>
-                  <a:srgbClr val="A50021"/>
-                </a:solidFill>
-                <a:latin typeface="Arial" charset="0"/>
-              </a:defRPr>
-            </a:lvl3pPr>
-            <a:lvl4pPr marL="1600200" indent="-228600" eaLnBrk="0" hangingPunct="0">
-              <a:defRPr sz="2000">
-                <a:solidFill>
-                  <a:srgbClr val="A50021"/>
-                </a:solidFill>
-                <a:latin typeface="Arial" charset="0"/>
-              </a:defRPr>
-            </a:lvl4pPr>
-            <a:lvl5pPr marL="2057400" indent="-228600" eaLnBrk="0" hangingPunct="0">
-              <a:defRPr sz="2000">
-                <a:solidFill>
-                  <a:srgbClr val="A50021"/>
-                </a:solidFill>
-                <a:latin typeface="Arial" charset="0"/>
-              </a:defRPr>
-            </a:lvl5pPr>
-            <a:lvl6pPr marL="2514600" indent="-228600" eaLnBrk="0" fontAlgn="base" hangingPunct="0">
-              <a:spcBef>
-                <a:spcPct val="0"/>
-              </a:spcBef>
-              <a:spcAft>
-                <a:spcPct val="0"/>
-              </a:spcAft>
-              <a:defRPr sz="2000">
-                <a:solidFill>
-                  <a:srgbClr val="A50021"/>
-                </a:solidFill>
-                <a:latin typeface="Arial" charset="0"/>
-              </a:defRPr>
-            </a:lvl6pPr>
-            <a:lvl7pPr marL="2971800" indent="-228600" eaLnBrk="0" fontAlgn="base" hangingPunct="0">
-              <a:spcBef>
-                <a:spcPct val="0"/>
-              </a:spcBef>
-              <a:spcAft>
-                <a:spcPct val="0"/>
-              </a:spcAft>
-              <a:defRPr sz="2000">
-                <a:solidFill>
-                  <a:srgbClr val="A50021"/>
-                </a:solidFill>
-                <a:latin typeface="Arial" charset="0"/>
-              </a:defRPr>
-            </a:lvl7pPr>
-            <a:lvl8pPr marL="3429000" indent="-228600" eaLnBrk="0" fontAlgn="base" hangingPunct="0">
-              <a:spcBef>
-                <a:spcPct val="0"/>
-              </a:spcBef>
-              <a:spcAft>
-                <a:spcPct val="0"/>
-              </a:spcAft>
-              <a:defRPr sz="2000">
-                <a:solidFill>
-                  <a:srgbClr val="A50021"/>
-                </a:solidFill>
-                <a:latin typeface="Arial" charset="0"/>
-              </a:defRPr>
-            </a:lvl8pPr>
-            <a:lvl9pPr marL="3886200" indent="-228600" eaLnBrk="0" fontAlgn="base" hangingPunct="0">
-              <a:spcBef>
-                <a:spcPct val="0"/>
-              </a:spcBef>
-              <a:spcAft>
-                <a:spcPct val="0"/>
-              </a:spcAft>
-              <a:defRPr sz="2000">
-                <a:solidFill>
-                  <a:srgbClr val="A50021"/>
-                </a:solidFill>
-                <a:latin typeface="Arial" charset="0"/>
-              </a:defRPr>
-            </a:lvl9pPr>
-          </a:lstStyle>
-          <a:p>
-            <a:pPr eaLnBrk="1" hangingPunct="1"/>
-            <a:fld id="{05D8A813-7F41-46AB-9DB7-A683BBF0EB66}" type="slidenum">
-              <a:rPr lang="pt-PT" altLang="zh-CN" sz="1200" smtClean="0">
-                <a:solidFill>
-                  <a:schemeClr val="tx1"/>
-                </a:solidFill>
-              </a:rPr>
-              <a:pPr eaLnBrk="1" hangingPunct="1"/>
-              <a:t>10</a:t>
+          <a:lstStyle/>
+          <a:p>
+            <a:pPr>
+              <a:defRPr/>
+            </a:pPr>
+            <a:fld id="{A0721F3A-D631-43CB-AA2E-A2AC279AD1E4}" type="slidenum">
+              <a:rPr lang="pt-PT" altLang="zh-CN" smtClean="0"/>
+              <a:pPr>
+                <a:defRPr/>
+              </a:pPr>
+              <a:t>8</a:t>
             </a:fld>
-            <a:endParaRPr lang="pt-PT" altLang="zh-CN" sz="1200">
-              <a:solidFill>
-                <a:schemeClr val="tx1"/>
-              </a:solidFill>
-            </a:endParaRPr>
+            <a:endParaRPr lang="pt-PT" altLang="zh-CN"/>
           </a:p>
         </p:txBody>
       </p:sp>
     </p:spTree>
     <p:extLst>
       <p:ext uri="{BB962C8B-B14F-4D97-AF65-F5344CB8AC3E}">
-        <p14:creationId xmlns:p14="http://schemas.microsoft.com/office/powerpoint/2010/main" val="370078558"/>
+        <p14:creationId xmlns:p14="http://schemas.microsoft.com/office/powerpoint/2010/main" val="3060005722"/>
       </p:ext>
     </p:extLst>
   </p:cSld>
@@ -3297,79 +3351,43 @@
           <a:bodyPr/>
           <a:lstStyle/>
           <a:p>
-            <a:pPr lvl="1"/>
-            <a:r>
-              <a:rPr lang="en-US" altLang="zh-CN" dirty="0"/>
-              <a:t>public </a:t>
-            </a:r>
-            <a:r>
-              <a:rPr lang="en-US" altLang="zh-CN" dirty="0" err="1"/>
-              <a:t>ResultSetMetaData</a:t>
-            </a:r>
-            <a:r>
-              <a:rPr lang="en-US" altLang="zh-CN" dirty="0"/>
-              <a:t> </a:t>
-            </a:r>
-            <a:r>
-              <a:rPr lang="en-US" altLang="zh-CN" dirty="0" err="1"/>
-              <a:t>getMetaData</a:t>
-            </a:r>
-            <a:r>
-              <a:rPr lang="en-US" altLang="zh-CN" dirty="0"/>
-              <a:t>()</a:t>
-            </a:r>
             <a:r>
               <a:rPr lang="zh-CN" altLang="zh-CN" dirty="0"/>
-              <a:t>：获取包含有关 </a:t>
-            </a:r>
-            <a:r>
-              <a:rPr lang="en-US" altLang="zh-CN" dirty="0" err="1"/>
-              <a:t>ResultSet</a:t>
-            </a:r>
-            <a:r>
-              <a:rPr lang="en-US" altLang="zh-CN" dirty="0"/>
-              <a:t> </a:t>
+              <a:t>，与</a:t>
+            </a:r>
+            <a:r>
+              <a:rPr lang="en-US" altLang="zh-CN" dirty="0"/>
+              <a:t>Statement</a:t>
             </a:r>
             <a:r>
               <a:rPr lang="zh-CN" altLang="zh-CN" dirty="0"/>
-              <a:t>对象列信息的 </a:t>
-            </a:r>
-            <a:r>
-              <a:rPr lang="en-US" altLang="zh-CN" dirty="0" err="1"/>
-              <a:t>ResultSetMetaData</a:t>
-            </a:r>
-            <a:r>
-              <a:rPr lang="en-US" altLang="zh-CN" dirty="0"/>
-              <a:t> </a:t>
-            </a:r>
-            <a:r>
-              <a:rPr lang="zh-CN" altLang="zh-CN" dirty="0"/>
-              <a:t>对象，</a:t>
-            </a:r>
-            <a:r>
-              <a:rPr lang="en-US" altLang="zh-CN" dirty="0" err="1"/>
-              <a:t>ResultSet</a:t>
-            </a:r>
-            <a:r>
-              <a:rPr lang="en-US" altLang="zh-CN" dirty="0"/>
-              <a:t> </a:t>
-            </a:r>
-            <a:r>
-              <a:rPr lang="zh-CN" altLang="zh-CN" dirty="0"/>
-              <a:t>对象将在执行此 </a:t>
+              <a:t>不同之处在于</a:t>
             </a:r>
             <a:r>
               <a:rPr lang="en-US" altLang="zh-CN" dirty="0" err="1"/>
               <a:t>PreparedStatement</a:t>
             </a:r>
             <a:r>
-              <a:rPr lang="en-US" altLang="zh-CN" dirty="0"/>
-              <a:t> </a:t>
-            </a:r>
-            <a:r>
               <a:rPr lang="zh-CN" altLang="zh-CN" dirty="0"/>
-              <a:t>对象时返回。</a:t>
-            </a:r>
+              <a:t>对象会将传入的</a:t>
+            </a:r>
+            <a:r>
+              <a:rPr lang="en-US" altLang="zh-CN" dirty="0"/>
+              <a:t>SQL</a:t>
+            </a:r>
+            <a:r>
+              <a:rPr lang="zh-CN" altLang="zh-CN" dirty="0"/>
+              <a:t>命令有限编译好等待使用，当有单一的</a:t>
+            </a:r>
+            <a:r>
+              <a:rPr lang="en-US" altLang="zh-CN" dirty="0"/>
+              <a:t>SQL</a:t>
+            </a:r>
+            <a:r>
+              <a:rPr lang="zh-CN" altLang="zh-CN" dirty="0"/>
+              <a:t>命令多次执行时，</a:t>
+            </a:r>
+            <a:endParaRPr lang="zh-CN" altLang="en-US" dirty="0"/>
           </a:p>
         </p:txBody>
       </p:sp>
@@ -3515,7 +3533,7 @@
                 </a:solidFill>
               </a:rPr>
               <a:pPr eaLnBrk="1" hangingPunct="1"/>
-              <a:t>11</a:t>
+              <a:t>10</a:t>
             </a:fld>
             <a:endParaRPr lang="pt-PT" altLang="zh-CN" sz="1200">
               <a:solidFill>
@@ -3528,7 +3546,7 @@
     </p:spTree>
     <p:extLst>
       <p:ext uri="{BB962C8B-B14F-4D97-AF65-F5344CB8AC3E}">
-        <p14:creationId xmlns:p14="http://schemas.microsoft.com/office/powerpoint/2010/main" val="2800745150"/>
+        <p14:creationId xmlns:p14="http://schemas.microsoft.com/office/powerpoint/2010/main" val="370078558"/>
       </p:ext>
     </p:extLst>
   </p:cSld>
@@ -3610,7 +3628,79 @@
           <a:bodyPr/>
           <a:lstStyle/>
           <a:p>
-            <a:endParaRPr lang="zh-CN" altLang="en-US"/>
+            <a:pPr lvl="1"/>
+            <a:r>
+              <a:rPr lang="en-US" altLang="zh-CN" dirty="0"/>
+              <a:t>public </a:t>
+            </a:r>
+            <a:r>
+              <a:rPr lang="en-US" altLang="zh-CN" dirty="0" err="1"/>
+              <a:t>ResultSetMetaData</a:t>
+            </a:r>
+            <a:r>
+              <a:rPr lang="en-US" altLang="zh-CN" dirty="0"/>
+              <a:t> </a:t>
+            </a:r>
+            <a:r>
+              <a:rPr lang="en-US" altLang="zh-CN" dirty="0" err="1"/>
+              <a:t>getMetaData</a:t>
+            </a:r>
+            <a:r>
+              <a:rPr lang="en-US" altLang="zh-CN" dirty="0"/>
+              <a:t>()</a:t>
+            </a:r>
+            <a:r>
+              <a:rPr lang="zh-CN" altLang="zh-CN" dirty="0"/>
+              <a:t>：获取包含有关 </a:t>
+            </a:r>
+            <a:r>
+              <a:rPr lang="en-US" altLang="zh-CN" dirty="0" err="1"/>
+              <a:t>ResultSet</a:t>
+            </a:r>
+            <a:r>
+              <a:rPr lang="en-US" altLang="zh-CN" dirty="0"/>
+              <a:t> </a:t>
+            </a:r>
+            <a:r>
+              <a:rPr lang="zh-CN" altLang="zh-CN" dirty="0"/>
+              <a:t>对象列信息的 </a:t>
+            </a:r>
+            <a:r>
+              <a:rPr lang="en-US" altLang="zh-CN" dirty="0" err="1"/>
+              <a:t>ResultSetMetaData</a:t>
+            </a:r>
+            <a:r>
+              <a:rPr lang="en-US" altLang="zh-CN" dirty="0"/>
+              <a:t> </a:t>
+            </a:r>
+            <a:r>
+              <a:rPr lang="zh-CN" altLang="zh-CN" dirty="0"/>
+              <a:t>对象，</a:t>
+            </a:r>
+            <a:r>
+              <a:rPr lang="en-US" altLang="zh-CN" dirty="0" err="1"/>
+              <a:t>ResultSet</a:t>
+            </a:r>
+            <a:r>
+              <a:rPr lang="en-US" altLang="zh-CN" dirty="0"/>
+              <a:t> </a:t>
+            </a:r>
+            <a:r>
+              <a:rPr lang="zh-CN" altLang="zh-CN" dirty="0"/>
+              <a:t>对象将在执行此 </a:t>
+            </a:r>
+            <a:r>
+              <a:rPr lang="en-US" altLang="zh-CN" dirty="0" err="1"/>
+              <a:t>PreparedStatement</a:t>
+            </a:r>
+            <a:r>
+              <a:rPr lang="en-US" altLang="zh-CN" dirty="0"/>
+              <a:t> </a:t>
+            </a:r>
+            <a:r>
+              <a:rPr lang="zh-CN" altLang="zh-CN" dirty="0"/>
+              <a:t>对象时返回。</a:t>
+            </a:r>
           </a:p>
         </p:txBody>
       </p:sp>
@@ -3756,7 +3846,7 @@
                 </a:solidFill>
               </a:rPr>
               <a:pPr eaLnBrk="1" hangingPunct="1"/>
-              <a:t>15</a:t>
+              <a:t>11</a:t>
             </a:fld>
             <a:endParaRPr lang="pt-PT" altLang="zh-CN" sz="1200">
               <a:solidFill>
@@ -3769,7 +3859,7 @@
     </p:spTree>
     <p:extLst>
       <p:ext uri="{BB962C8B-B14F-4D97-AF65-F5344CB8AC3E}">
-        <p14:creationId xmlns:p14="http://schemas.microsoft.com/office/powerpoint/2010/main" val="4106211699"/>
+        <p14:creationId xmlns:p14="http://schemas.microsoft.com/office/powerpoint/2010/main" val="2800745150"/>
       </p:ext>
     </p:extLst>
   </p:cSld>
@@ -5798,6 +5888,13 @@
   <p:clrMapOvr>
     <a:masterClrMapping/>
   </p:clrMapOvr>
+  <p:timing>
+    <p:tnLst>
+      <p:par>
+        <p:cTn id="1" dur="indefinite" restart="never" nodeType="tmRoot"/>
+      </p:par>
+    </p:tnLst>
+  </p:timing>
 </p:sld>
 </file>
 
@@ -5862,6 +5959,10 @@
               <a:rPr lang="en-US" altLang="zh-CN"/>
               <a:t>PreparedStatement</a:t>
             </a:r>
+            <a:r>
+              <a:rPr lang="en-US" altLang="zh-CN" dirty="0"/>
+              <a:t/>
+            </a:r>
             <a:br>
               <a:rPr lang="en-US" altLang="zh-CN" dirty="0"/>
             </a:br>
@@ -6087,7 +6188,7 @@
               </a:lnSpc>
             </a:pPr>
             <a:r>
-              <a:rPr lang="en-US" altLang="zh-CN" dirty="0" err="1"/>
+              <a:rPr lang="en-US" altLang="zh-CN" dirty="0" smtClean="0"/>
               <a:t>PreparedStatement</a:t>
             </a:r>
             <a:r>
@@ -6203,6 +6304,10 @@
             <a:r>
               <a:rPr lang="en-US" altLang="zh-CN" dirty="0" err="1"/>
               <a:t>PreparedStatement</a:t>
+            </a:r>
+            <a:r>
+              <a:rPr lang="en-US" altLang="zh-CN" dirty="0"/>
+              <a:t/>
             </a:r>
             <a:br>
               <a:rPr lang="en-US" altLang="zh-CN" dirty="0"/>
@@ -7749,8 +7854,8 @@
         </p:nvSpPr>
         <p:spPr bwMode="auto">
           <a:xfrm>
-            <a:off x="4223792" y="1160749"/>
-            <a:ext cx="4536504" cy="4965415"/>
+            <a:off x="609600" y="1160749"/>
+            <a:ext cx="8150696" cy="4965415"/>
           </a:xfrm>
           <a:noFill/>
           <a:extLst>
@@ -7823,6 +7928,13 @@
   <p:clrMapOvr>
     <a:masterClrMapping/>
   </p:clrMapOvr>
+  <p:timing>
+    <p:tnLst>
+      <p:par>
+        <p:cTn id="1" dur="indefinite" restart="never" nodeType="tmRoot"/>
+      </p:par>
+    </p:tnLst>
+  </p:timing>
 </p:sld>
 </file>
 
@@ -8042,6 +8154,13 @@
   <p:clrMapOvr>
     <a:masterClrMapping/>
   </p:clrMapOvr>
+  <p:timing>
+    <p:tnLst>
+      <p:par>
+        <p:cTn id="1" dur="indefinite" restart="never" nodeType="tmRoot"/>
+      </p:par>
+    </p:tnLst>
+  </p:timing>
 </p:sld>
 </file>
 
@@ -8198,6 +8317,13 @@
   <p:clrMapOvr>
     <a:masterClrMapping/>
   </p:clrMapOvr>
+  <p:timing>
+    <p:tnLst>
+      <p:par>
+        <p:cTn id="1" dur="indefinite" restart="never" nodeType="tmRoot"/>
+      </p:par>
+    </p:tnLst>
+  </p:timing>
 </p:sld>
 </file>
 
@@ -8266,6 +8392,10 @@
               <a:rPr lang="zh-CN" altLang="en-US" dirty="0"/>
               <a:t>中主要的类和接口</a:t>
             </a:r>
+            <a:r>
+              <a:rPr lang="en-US" altLang="zh-CN" dirty="0"/>
+              <a:t/>
+            </a:r>
             <a:br>
               <a:rPr lang="en-US" altLang="zh-CN" dirty="0"/>
             </a:br>
@@ -8428,6 +8558,13 @@
   <p:clrMapOvr>
     <a:masterClrMapping/>
   </p:clrMapOvr>
+  <p:timing>
+    <p:tnLst>
+      <p:par>
+        <p:cTn id="1" dur="indefinite" restart="never" nodeType="tmRoot"/>
+      </p:par>
+    </p:tnLst>
+  </p:timing>
 </p:sld>
 </file>
 
@@ -8670,12 +8807,16 @@
               <a:t>对于</a:t>
             </a:r>
             <a:r>
-              <a:rPr lang="en-US" altLang="zh-CN" dirty="0" err="1"/>
+              <a:rPr lang="en-US" altLang="zh-CN" dirty="0"/>
               <a:t>MySql</a:t>
             </a:r>
             <a:r>
-              <a:rPr lang="zh-CN" altLang="zh-CN" dirty="0"/>
+              <a:rPr lang="zh-CN" altLang="zh-CN" dirty="0" smtClean="0"/>
               <a:t>数据</a:t>
+            </a:r>
+            <a:r>
+              <a:rPr lang="zh-CN" altLang="en-US" dirty="0" smtClean="0"/>
+              <a:t>库</a:t>
             </a:r>
             <a:endParaRPr lang="en-US" altLang="zh-CN" dirty="0"/>
           </a:p>
@@ -8686,21 +8827,50 @@
               </a:lnSpc>
             </a:pPr>
             <a:r>
-              <a:rPr lang="en-US" altLang="zh-CN" dirty="0" err="1"/>
-              <a:t>jdbcdriver_classname</a:t>
-            </a:r>
-            <a:r>
-              <a:rPr lang="en-US" altLang="zh-CN" dirty="0"/>
-              <a:t>=</a:t>
-            </a:r>
-            <a:r>
-              <a:rPr lang="en-US" altLang="zh-CN" dirty="0" err="1"/>
-              <a:t>com.mysq.jdbc.Driver</a:t>
-            </a:r>
-            <a:r>
-              <a:rPr lang="zh-CN" altLang="zh-CN" dirty="0"/>
+              <a:rPr lang="en-US" altLang="zh-CN" smtClean="0"/>
+              <a:t>jdbcdriver_classname=com.mysql.jdbc.Driver</a:t>
+            </a:r>
+            <a:r>
+              <a:rPr lang="zh-CN" altLang="zh-CN" dirty="0" smtClean="0"/>
               <a:t>。</a:t>
             </a:r>
+            <a:endParaRPr lang="en-US" altLang="zh-CN" dirty="0" smtClean="0"/>
+          </a:p>
+          <a:p>
+            <a:pPr lvl="1">
+              <a:lnSpc>
+                <a:spcPct val="150000"/>
+              </a:lnSpc>
+            </a:pPr>
+            <a:r>
+              <a:rPr lang="zh-CN" altLang="en-US" dirty="0" smtClean="0"/>
+              <a:t>对于</a:t>
+            </a:r>
+            <a:r>
+              <a:rPr lang="en-US" altLang="zh-CN" dirty="0" smtClean="0"/>
+              <a:t>SQLServer</a:t>
+            </a:r>
+            <a:r>
+              <a:rPr lang="zh-CN" altLang="en-US" dirty="0" smtClean="0"/>
+              <a:t>数据库</a:t>
+            </a:r>
+            <a:endParaRPr lang="en-US" altLang="zh-CN" dirty="0" smtClean="0"/>
+          </a:p>
+          <a:p>
+            <a:pPr lvl="2">
+              <a:lnSpc>
+                <a:spcPct val="150000"/>
+              </a:lnSpc>
+            </a:pPr>
+            <a:r>
+              <a:rPr lang="en-US" altLang="zh-CN" dirty="0"/>
+              <a:t>jdbcdriver_classname=</a:t>
+            </a:r>
+            <a:r>
+              <a:rPr lang="en-US" altLang="zh-CN" dirty="0" smtClean="0"/>
+              <a:t>com.microsoft.sqlserver.jdbc.SQLServerDriver</a:t>
+            </a:r>
+            <a:endParaRPr lang="zh-CN" altLang="zh-CN" dirty="0"/>
           </a:p>
         </p:txBody>
       </p:sp>
@@ -8714,6 +8884,13 @@
   <p:clrMapOvr>
     <a:masterClrMapping/>
   </p:clrMapOvr>
+  <p:timing>
+    <p:tnLst>
+      <p:par>
+        <p:cTn id="1" dur="indefinite" restart="never" nodeType="tmRoot"/>
+      </p:par>
+    </p:tnLst>
+  </p:timing>
 </p:sld>
 </file>
 
@@ -8767,7 +8944,12 @@
             <p:ph idx="1"/>
           </p:nvPr>
         </p:nvSpPr>
-        <p:spPr/>
+        <p:spPr>
+          <a:xfrm>
+            <a:off x="609600" y="1160749"/>
+            <a:ext cx="10972800" cy="5580619"/>
+          </a:xfrm>
+        </p:spPr>
         <p:txBody>
           <a:bodyPr/>
           <a:lstStyle/>
@@ -8854,12 +9036,8 @@
               <a:t>调用</a:t>
             </a:r>
             <a:r>
-              <a:rPr lang="en-US" altLang="zh-CN" dirty="0" err="1"/>
-              <a:t>DriverManager.getConnection</a:t>
-            </a:r>
-            <a:r>
-              <a:rPr lang="en-US" altLang="zh-CN" dirty="0"/>
-              <a:t>()</a:t>
+              <a:rPr lang="en-US" altLang="zh-CN" dirty="0" smtClean="0"/>
+              <a:t>DriverManager.getConnection()</a:t>
             </a:r>
             <a:r>
               <a:rPr lang="zh-CN" altLang="en-US" dirty="0"/>
@@ -8871,8 +9049,129 @@
             </a:r>
             <a:r>
               <a:rPr lang="zh-CN" altLang="en-US" dirty="0"/>
-              <a:t>对象。</a:t>
-            </a:r>
+              <a:t>对象</a:t>
+            </a:r>
+            <a:r>
+              <a:rPr lang="zh-CN" altLang="en-US" dirty="0" smtClean="0"/>
+              <a:t>。</a:t>
+            </a:r>
+            <a:endParaRPr lang="en-US" altLang="zh-CN" dirty="0" smtClean="0"/>
+          </a:p>
+          <a:p>
+            <a:pPr lvl="1">
+              <a:lnSpc>
+                <a:spcPct val="150000"/>
+              </a:lnSpc>
+            </a:pPr>
+            <a:r>
+              <a:rPr lang="zh-CN" altLang="en-US" dirty="0" smtClean="0"/>
+              <a:t>对于</a:t>
+            </a:r>
+            <a:r>
+              <a:rPr lang="en-US" altLang="zh-CN" dirty="0" smtClean="0"/>
+              <a:t>MySql</a:t>
+            </a:r>
+            <a:r>
+              <a:rPr lang="zh-CN" altLang="en-US" dirty="0" smtClean="0"/>
+              <a:t>数据库：</a:t>
+            </a:r>
+            <a:r>
+              <a:rPr lang="en-US" altLang="zh-CN" dirty="0"/>
+              <a:t> DriverManager.getConnection(url, user, pwd)</a:t>
+            </a:r>
+            <a:endParaRPr lang="en-US" altLang="zh-CN" dirty="0" smtClean="0"/>
+          </a:p>
+          <a:p>
+            <a:pPr lvl="2">
+              <a:lnSpc>
+                <a:spcPct val="150000"/>
+              </a:lnSpc>
+            </a:pPr>
+            <a:r>
+              <a:rPr lang="en-US" altLang="zh-CN" dirty="0" smtClean="0"/>
+              <a:t>url </a:t>
+            </a:r>
+            <a:r>
+              <a:rPr lang="en-US" altLang="zh-CN" dirty="0"/>
+              <a:t>= </a:t>
+            </a:r>
+            <a:r>
+              <a:rPr lang="en-US" altLang="zh-CN" dirty="0" smtClean="0"/>
+              <a:t>jdbc:mysql</a:t>
+            </a:r>
+            <a:r>
+              <a:rPr lang="en-US" altLang="zh-CN" dirty="0"/>
+              <a:t>://</a:t>
+            </a:r>
+            <a:r>
+              <a:rPr lang="en-US" altLang="zh-CN" dirty="0" smtClean="0"/>
+              <a:t>127.0.0.1:3306/em?useUnicode=true&amp;characterEncoding=UTF-8</a:t>
+            </a:r>
+            <a:endParaRPr lang="en-US" altLang="zh-CN" dirty="0"/>
+          </a:p>
+          <a:p>
+            <a:pPr lvl="1">
+              <a:lnSpc>
+                <a:spcPct val="150000"/>
+              </a:lnSpc>
+            </a:pPr>
+            <a:r>
+              <a:rPr lang="zh-CN" altLang="en-US" dirty="0" smtClean="0"/>
+              <a:t>对于</a:t>
+            </a:r>
+            <a:r>
+              <a:rPr lang="en-US" altLang="zh-CN" dirty="0" smtClean="0"/>
+              <a:t>SQLServer</a:t>
+            </a:r>
+            <a:r>
+              <a:rPr lang="zh-CN" altLang="en-US" dirty="0" smtClean="0"/>
+              <a:t>数据库：</a:t>
+            </a:r>
+            <a:r>
+              <a:rPr lang="en-US" altLang="zh-CN" dirty="0"/>
+              <a:t> </a:t>
+            </a:r>
+            <a:r>
+              <a:rPr lang="en-US" altLang="zh-CN" dirty="0" smtClean="0"/>
+              <a:t>DriverManager.getConnection(url</a:t>
+            </a:r>
+            <a:r>
+              <a:rPr lang="en-US" altLang="zh-CN" dirty="0"/>
+              <a:t>)</a:t>
+            </a:r>
+            <a:endParaRPr lang="en-US" altLang="zh-CN" dirty="0" smtClean="0"/>
+          </a:p>
+          <a:p>
+            <a:pPr lvl="2">
+              <a:lnSpc>
+                <a:spcPct val="150000"/>
+              </a:lnSpc>
+            </a:pPr>
+            <a:r>
+              <a:rPr lang="en-US" altLang="zh-CN" dirty="0"/>
+              <a:t>url = </a:t>
+            </a:r>
+            <a:r>
+              <a:rPr lang="en-US" altLang="zh-CN" dirty="0" smtClean="0"/>
+              <a:t>jdbc:sqlserver</a:t>
+            </a:r>
+            <a:r>
+              <a:rPr lang="en-US" altLang="zh-CN" dirty="0"/>
+              <a:t>://</a:t>
+            </a:r>
+            <a:r>
+              <a:rPr lang="en-US" altLang="zh-CN" dirty="0" smtClean="0"/>
+              <a:t>127.0.0.1:1368;databaseName=mydb;user=sa;password=123</a:t>
+            </a:r>
+            <a:endParaRPr lang="en-US" altLang="zh-CN" dirty="0"/>
+          </a:p>
+          <a:p>
+            <a:pPr lvl="2">
+              <a:lnSpc>
+                <a:spcPct val="150000"/>
+              </a:lnSpc>
+            </a:pPr>
+            <a:endParaRPr lang="zh-CN" altLang="en-US" dirty="0"/>
           </a:p>
         </p:txBody>
       </p:sp>
@@ -8886,6 +9185,13 @@
   <p:clrMapOvr>
     <a:masterClrMapping/>
   </p:clrMapOvr>
+  <p:timing>
+    <p:tnLst>
+      <p:par>
+        <p:cTn id="1" dur="indefinite" restart="never" nodeType="tmRoot"/>
+      </p:par>
+    </p:tnLst>
+  </p:timing>
 </p:sld>
 </file>
 
@@ -9381,6 +9687,14 @@
                 </a:solidFill>
               </a:rPr>
               <a:t>事务回滚</a:t>
+            </a:r>
+            <a:r>
+              <a:rPr lang="en-US" altLang="zh-CN" dirty="0">
+                <a:solidFill>
+                  <a:schemeClr val="tx1"/>
+                </a:solidFill>
+              </a:rPr>
+              <a:t/>
             </a:r>
             <a:br>
               <a:rPr lang="en-US" altLang="zh-CN" dirty="0">
